--- a/Slides/slides_def_fx1_f14.pptx
+++ b/Slides/slides_def_fx1_f14.pptx
@@ -249,7 +249,7 @@
   </p:defaultTextStyle>
   <p:extLst>
     <p:ext uri="{EFAFB233-063F-42B5-8137-9DF3F51BA10A}">
-      <p15:sldGuideLst xmlns:p15="http://schemas.microsoft.com/office/powerpoint/2012/main">
+      <p15:sldGuideLst xmlns:p15="http://schemas.microsoft.com/office/powerpoint/2012/main" xmlns="">
         <p15:guide id="1" orient="horz" pos="2160">
           <p15:clr>
             <a:srgbClr val="A4A3A4"/>
@@ -466,11 +466,11 @@
           <c:showBubbleSize val="0"/>
         </c:dLbls>
         <c:gapWidth val="150"/>
-        <c:axId val="210940088"/>
-        <c:axId val="210940480"/>
+        <c:axId val="35426688"/>
+        <c:axId val="35428224"/>
       </c:barChart>
       <c:catAx>
-        <c:axId val="210940088"/>
+        <c:axId val="35426688"/>
         <c:scaling>
           <c:orientation val="minMax"/>
         </c:scaling>
@@ -480,7 +480,7 @@
         <c:majorTickMark val="out"/>
         <c:minorTickMark val="none"/>
         <c:tickLblPos val="nextTo"/>
-        <c:crossAx val="210940480"/>
+        <c:crossAx val="35428224"/>
         <c:crosses val="autoZero"/>
         <c:auto val="1"/>
         <c:lblAlgn val="ctr"/>
@@ -488,7 +488,7 @@
         <c:noMultiLvlLbl val="0"/>
       </c:catAx>
       <c:valAx>
-        <c:axId val="210940480"/>
+        <c:axId val="35428224"/>
         <c:scaling>
           <c:orientation val="minMax"/>
         </c:scaling>
@@ -499,7 +499,7 @@
         <c:majorTickMark val="out"/>
         <c:minorTickMark val="none"/>
         <c:tickLblPos val="nextTo"/>
-        <c:crossAx val="210940088"/>
+        <c:crossAx val="35426688"/>
         <c:crosses val="autoZero"/>
         <c:crossBetween val="between"/>
       </c:valAx>
@@ -1566,8 +1566,8 @@
         </c:dLbls>
         <c:marker val="1"/>
         <c:smooth val="0"/>
-        <c:axId val="210953808"/>
-        <c:axId val="262168792"/>
+        <c:axId val="122716160"/>
+        <c:axId val="122717696"/>
       </c:lineChart>
       <c:lineChart>
         <c:grouping val="standard"/>
@@ -2580,11 +2580,11 @@
         </c:dLbls>
         <c:marker val="1"/>
         <c:smooth val="0"/>
-        <c:axId val="262171144"/>
-        <c:axId val="262171536"/>
+        <c:axId val="122733312"/>
+        <c:axId val="122719232"/>
       </c:lineChart>
       <c:dateAx>
-        <c:axId val="210953808"/>
+        <c:axId val="122716160"/>
         <c:scaling>
           <c:orientation val="minMax"/>
         </c:scaling>
@@ -2595,7 +2595,7 @@
         <c:majorTickMark val="none"/>
         <c:minorTickMark val="none"/>
         <c:tickLblPos val="low"/>
-        <c:crossAx val="262168792"/>
+        <c:crossAx val="122717696"/>
         <c:crosses val="autoZero"/>
         <c:auto val="1"/>
         <c:lblOffset val="100"/>
@@ -2603,7 +2603,7 @@
         <c:minorUnit val="40"/>
       </c:dateAx>
       <c:valAx>
-        <c:axId val="262168792"/>
+        <c:axId val="122717696"/>
         <c:scaling>
           <c:orientation val="minMax"/>
           <c:max val="1.8"/>
@@ -2621,12 +2621,12 @@
             <a:noFill/>
           </a:ln>
         </c:spPr>
-        <c:crossAx val="210953808"/>
+        <c:crossAx val="122716160"/>
         <c:crosses val="autoZero"/>
         <c:crossBetween val="between"/>
       </c:valAx>
       <c:valAx>
-        <c:axId val="262171536"/>
+        <c:axId val="122719232"/>
         <c:scaling>
           <c:orientation val="minMax"/>
           <c:min val="0.2"/>
@@ -2637,12 +2637,12 @@
         <c:majorTickMark val="out"/>
         <c:minorTickMark val="none"/>
         <c:tickLblPos val="nextTo"/>
-        <c:crossAx val="262171144"/>
+        <c:crossAx val="122733312"/>
         <c:crosses val="max"/>
         <c:crossBetween val="between"/>
       </c:valAx>
       <c:dateAx>
-        <c:axId val="262171144"/>
+        <c:axId val="122733312"/>
         <c:scaling>
           <c:orientation val="minMax"/>
         </c:scaling>
@@ -2652,7 +2652,7 @@
         <c:majorTickMark val="out"/>
         <c:minorTickMark val="none"/>
         <c:tickLblPos val="none"/>
-        <c:crossAx val="262171536"/>
+        <c:crossAx val="122719232"/>
         <c:crosses val="autoZero"/>
         <c:auto val="1"/>
         <c:lblOffset val="100"/>
@@ -2883,11 +2883,11 @@
           <c:showBubbleSize val="0"/>
         </c:dLbls>
         <c:gapWidth val="150"/>
-        <c:axId val="210939696"/>
-        <c:axId val="210940872"/>
+        <c:axId val="35467264"/>
+        <c:axId val="35468800"/>
       </c:barChart>
       <c:catAx>
-        <c:axId val="210939696"/>
+        <c:axId val="35467264"/>
         <c:scaling>
           <c:orientation val="minMax"/>
         </c:scaling>
@@ -2897,7 +2897,7 @@
         <c:majorTickMark val="out"/>
         <c:minorTickMark val="none"/>
         <c:tickLblPos val="nextTo"/>
-        <c:crossAx val="210940872"/>
+        <c:crossAx val="35468800"/>
         <c:crosses val="autoZero"/>
         <c:auto val="1"/>
         <c:lblAlgn val="ctr"/>
@@ -2905,7 +2905,7 @@
         <c:noMultiLvlLbl val="0"/>
       </c:catAx>
       <c:valAx>
-        <c:axId val="210940872"/>
+        <c:axId val="35468800"/>
         <c:scaling>
           <c:orientation val="minMax"/>
         </c:scaling>
@@ -2916,7 +2916,7 @@
         <c:majorTickMark val="out"/>
         <c:minorTickMark val="none"/>
         <c:tickLblPos val="nextTo"/>
-        <c:crossAx val="210939696"/>
+        <c:crossAx val="35467264"/>
         <c:crosses val="autoZero"/>
         <c:crossBetween val="between"/>
       </c:valAx>
@@ -4355,11 +4355,11 @@
           <c:showPercent val="0"/>
           <c:showBubbleSize val="0"/>
         </c:dLbls>
-        <c:axId val="210942440"/>
-        <c:axId val="210942832"/>
+        <c:axId val="83341696"/>
+        <c:axId val="83343232"/>
       </c:scatterChart>
       <c:valAx>
-        <c:axId val="210942440"/>
+        <c:axId val="83341696"/>
         <c:scaling>
           <c:orientation val="minMax"/>
         </c:scaling>
@@ -4394,13 +4394,13 @@
             <a:endParaRPr lang="en-US"/>
           </a:p>
         </c:txPr>
-        <c:crossAx val="210942832"/>
+        <c:crossAx val="83343232"/>
         <c:crosses val="autoZero"/>
         <c:crossBetween val="midCat"/>
         <c:majorUnit val="730"/>
       </c:valAx>
       <c:valAx>
-        <c:axId val="210942832"/>
+        <c:axId val="83343232"/>
         <c:scaling>
           <c:orientation val="minMax"/>
           <c:max val="160"/>
@@ -4437,7 +4437,7 @@
             <a:endParaRPr lang="en-US"/>
           </a:p>
         </c:txPr>
-        <c:crossAx val="210942440"/>
+        <c:crossAx val="83341696"/>
         <c:crosses val="autoZero"/>
         <c:crossBetween val="midCat"/>
       </c:valAx>
@@ -5515,11 +5515,11 @@
           <c:showPercent val="0"/>
           <c:showBubbleSize val="0"/>
         </c:dLbls>
-        <c:axId val="210943616"/>
-        <c:axId val="210944008"/>
+        <c:axId val="107952768"/>
+        <c:axId val="108077440"/>
       </c:scatterChart>
       <c:valAx>
-        <c:axId val="210943616"/>
+        <c:axId val="107952768"/>
         <c:scaling>
           <c:orientation val="minMax"/>
         </c:scaling>
@@ -5554,13 +5554,13 @@
             <a:endParaRPr lang="en-US"/>
           </a:p>
         </c:txPr>
-        <c:crossAx val="210944008"/>
+        <c:crossAx val="108077440"/>
         <c:crosses val="autoZero"/>
         <c:crossBetween val="midCat"/>
         <c:majorUnit val="730"/>
       </c:valAx>
       <c:valAx>
-        <c:axId val="210944008"/>
+        <c:axId val="108077440"/>
         <c:scaling>
           <c:orientation val="minMax"/>
           <c:max val="1.8"/>
@@ -5597,7 +5597,7 @@
             <a:endParaRPr lang="en-US"/>
           </a:p>
         </c:txPr>
-        <c:crossAx val="210943616"/>
+        <c:crossAx val="107952768"/>
         <c:crosses val="autoZero"/>
         <c:crossBetween val="midCat"/>
       </c:valAx>
@@ -7047,11 +7047,11 @@
           <c:showPercent val="0"/>
           <c:showBubbleSize val="0"/>
         </c:dLbls>
-        <c:axId val="210944792"/>
-        <c:axId val="210945184"/>
+        <c:axId val="108110976"/>
+        <c:axId val="108112512"/>
       </c:scatterChart>
       <c:valAx>
-        <c:axId val="210944792"/>
+        <c:axId val="108110976"/>
         <c:scaling>
           <c:orientation val="minMax"/>
         </c:scaling>
@@ -7086,13 +7086,13 @@
             <a:endParaRPr lang="en-US"/>
           </a:p>
         </c:txPr>
-        <c:crossAx val="210945184"/>
+        <c:crossAx val="108112512"/>
         <c:crosses val="autoZero"/>
         <c:crossBetween val="midCat"/>
         <c:majorUnit val="730"/>
       </c:valAx>
       <c:valAx>
-        <c:axId val="210945184"/>
+        <c:axId val="108112512"/>
         <c:scaling>
           <c:orientation val="minMax"/>
         </c:scaling>
@@ -7127,7 +7127,7 @@
             <a:endParaRPr lang="en-US"/>
           </a:p>
         </c:txPr>
-        <c:crossAx val="210944792"/>
+        <c:crossAx val="108110976"/>
         <c:crosses val="autoZero"/>
         <c:crossBetween val="midCat"/>
       </c:valAx>
@@ -8829,11 +8829,11 @@
           <c:showPercent val="0"/>
           <c:showBubbleSize val="0"/>
         </c:dLbls>
-        <c:axId val="210945576"/>
-        <c:axId val="210947144"/>
+        <c:axId val="108178816"/>
+        <c:axId val="108184704"/>
       </c:scatterChart>
       <c:valAx>
-        <c:axId val="210945576"/>
+        <c:axId val="108178816"/>
         <c:scaling>
           <c:orientation val="minMax"/>
           <c:max val="41100"/>
@@ -8870,13 +8870,13 @@
             <a:endParaRPr lang="en-US"/>
           </a:p>
         </c:txPr>
-        <c:crossAx val="210947144"/>
+        <c:crossAx val="108184704"/>
         <c:crosses val="autoZero"/>
         <c:crossBetween val="midCat"/>
         <c:majorUnit val="730"/>
       </c:valAx>
       <c:valAx>
-        <c:axId val="210947144"/>
+        <c:axId val="108184704"/>
         <c:scaling>
           <c:orientation val="minMax"/>
           <c:max val="9.5"/>
@@ -8913,7 +8913,7 @@
             <a:endParaRPr lang="en-US"/>
           </a:p>
         </c:txPr>
-        <c:crossAx val="210945576"/>
+        <c:crossAx val="108178816"/>
         <c:crosses val="autoZero"/>
         <c:crossBetween val="midCat"/>
         <c:majorUnit val="1"/>
@@ -10358,8 +10358,8 @@
         </c:dLbls>
         <c:marker val="1"/>
         <c:smooth val="0"/>
-        <c:axId val="210947928"/>
-        <c:axId val="210948320"/>
+        <c:axId val="107872256"/>
+        <c:axId val="107873792"/>
       </c:lineChart>
       <c:lineChart>
         <c:grouping val="standard"/>
@@ -11744,11 +11744,11 @@
         </c:dLbls>
         <c:marker val="1"/>
         <c:smooth val="0"/>
-        <c:axId val="210949104"/>
-        <c:axId val="210948712"/>
+        <c:axId val="107881216"/>
+        <c:axId val="107875328"/>
       </c:lineChart>
       <c:dateAx>
-        <c:axId val="210947928"/>
+        <c:axId val="107872256"/>
         <c:scaling>
           <c:orientation val="minMax"/>
         </c:scaling>
@@ -11759,7 +11759,7 @@
         <c:majorTickMark val="none"/>
         <c:minorTickMark val="none"/>
         <c:tickLblPos val="low"/>
-        <c:crossAx val="210948320"/>
+        <c:crossAx val="107873792"/>
         <c:crosses val="autoZero"/>
         <c:auto val="1"/>
         <c:lblOffset val="100"/>
@@ -11767,7 +11767,7 @@
         <c:minorUnit val="40"/>
       </c:dateAx>
       <c:valAx>
-        <c:axId val="210948320"/>
+        <c:axId val="107873792"/>
         <c:scaling>
           <c:orientation val="minMax"/>
         </c:scaling>
@@ -11783,12 +11783,12 @@
             <a:noFill/>
           </a:ln>
         </c:spPr>
-        <c:crossAx val="210947928"/>
+        <c:crossAx val="107872256"/>
         <c:crosses val="autoZero"/>
         <c:crossBetween val="between"/>
       </c:valAx>
       <c:valAx>
-        <c:axId val="210948712"/>
+        <c:axId val="107875328"/>
         <c:scaling>
           <c:orientation val="minMax"/>
         </c:scaling>
@@ -11798,12 +11798,12 @@
         <c:majorTickMark val="out"/>
         <c:minorTickMark val="none"/>
         <c:tickLblPos val="nextTo"/>
-        <c:crossAx val="210949104"/>
+        <c:crossAx val="107881216"/>
         <c:crosses val="max"/>
         <c:crossBetween val="between"/>
       </c:valAx>
       <c:dateAx>
-        <c:axId val="210949104"/>
+        <c:axId val="107881216"/>
         <c:scaling>
           <c:orientation val="minMax"/>
         </c:scaling>
@@ -11813,7 +11813,7 @@
         <c:majorTickMark val="out"/>
         <c:minorTickMark val="none"/>
         <c:tickLblPos val="none"/>
-        <c:crossAx val="210948712"/>
+        <c:crossAx val="107875328"/>
         <c:crosses val="autoZero"/>
         <c:auto val="1"/>
         <c:lblOffset val="100"/>
@@ -13292,8 +13292,8 @@
         </c:dLbls>
         <c:marker val="1"/>
         <c:smooth val="0"/>
-        <c:axId val="210949888"/>
-        <c:axId val="210950280"/>
+        <c:axId val="107921408"/>
+        <c:axId val="107922944"/>
       </c:lineChart>
       <c:lineChart>
         <c:grouping val="standard"/>
@@ -14738,11 +14738,11 @@
         </c:dLbls>
         <c:marker val="1"/>
         <c:smooth val="0"/>
-        <c:axId val="210951064"/>
-        <c:axId val="210950672"/>
+        <c:axId val="107930368"/>
+        <c:axId val="107924480"/>
       </c:lineChart>
       <c:dateAx>
-        <c:axId val="210949888"/>
+        <c:axId val="107921408"/>
         <c:scaling>
           <c:orientation val="minMax"/>
         </c:scaling>
@@ -14753,7 +14753,7 @@
         <c:majorTickMark val="none"/>
         <c:minorTickMark val="none"/>
         <c:tickLblPos val="low"/>
-        <c:crossAx val="210950280"/>
+        <c:crossAx val="107922944"/>
         <c:crosses val="autoZero"/>
         <c:auto val="1"/>
         <c:lblOffset val="100"/>
@@ -14761,7 +14761,7 @@
         <c:minorUnit val="40"/>
       </c:dateAx>
       <c:valAx>
-        <c:axId val="210950280"/>
+        <c:axId val="107922944"/>
         <c:scaling>
           <c:orientation val="minMax"/>
           <c:min val="2"/>
@@ -14778,12 +14778,12 @@
             <a:noFill/>
           </a:ln>
         </c:spPr>
-        <c:crossAx val="210949888"/>
+        <c:crossAx val="107921408"/>
         <c:crosses val="autoZero"/>
         <c:crossBetween val="between"/>
       </c:valAx>
       <c:valAx>
-        <c:axId val="210950672"/>
+        <c:axId val="107924480"/>
         <c:scaling>
           <c:orientation val="minMax"/>
           <c:min val="0.2"/>
@@ -14794,12 +14794,12 @@
         <c:majorTickMark val="out"/>
         <c:minorTickMark val="none"/>
         <c:tickLblPos val="nextTo"/>
-        <c:crossAx val="210951064"/>
+        <c:crossAx val="107930368"/>
         <c:crosses val="max"/>
         <c:crossBetween val="between"/>
       </c:valAx>
       <c:dateAx>
-        <c:axId val="210951064"/>
+        <c:axId val="107930368"/>
         <c:scaling>
           <c:orientation val="minMax"/>
         </c:scaling>
@@ -14809,7 +14809,7 @@
         <c:majorTickMark val="out"/>
         <c:minorTickMark val="none"/>
         <c:tickLblPos val="none"/>
-        <c:crossAx val="210950672"/>
+        <c:crossAx val="107924480"/>
         <c:crosses val="autoZero"/>
         <c:auto val="1"/>
         <c:lblOffset val="100"/>
@@ -16300,8 +16300,8 @@
         </c:dLbls>
         <c:marker val="1"/>
         <c:smooth val="0"/>
-        <c:axId val="210951848"/>
-        <c:axId val="210952240"/>
+        <c:axId val="122961920"/>
+        <c:axId val="122963456"/>
       </c:lineChart>
       <c:lineChart>
         <c:grouping val="standard"/>
@@ -17743,11 +17743,11 @@
         </c:dLbls>
         <c:marker val="1"/>
         <c:smooth val="0"/>
-        <c:axId val="210953024"/>
-        <c:axId val="210952632"/>
+        <c:axId val="122974976"/>
+        <c:axId val="122964992"/>
       </c:lineChart>
       <c:dateAx>
-        <c:axId val="210951848"/>
+        <c:axId val="122961920"/>
         <c:scaling>
           <c:orientation val="minMax"/>
         </c:scaling>
@@ -17758,7 +17758,7 @@
         <c:majorTickMark val="none"/>
         <c:minorTickMark val="none"/>
         <c:tickLblPos val="low"/>
-        <c:crossAx val="210952240"/>
+        <c:crossAx val="122963456"/>
         <c:crosses val="autoZero"/>
         <c:auto val="1"/>
         <c:lblOffset val="100"/>
@@ -17766,7 +17766,7 @@
         <c:minorUnit val="40"/>
       </c:dateAx>
       <c:valAx>
-        <c:axId val="210952240"/>
+        <c:axId val="122963456"/>
         <c:scaling>
           <c:orientation val="minMax"/>
         </c:scaling>
@@ -17782,12 +17782,12 @@
             <a:noFill/>
           </a:ln>
         </c:spPr>
-        <c:crossAx val="210951848"/>
+        <c:crossAx val="122961920"/>
         <c:crosses val="autoZero"/>
         <c:crossBetween val="between"/>
       </c:valAx>
       <c:valAx>
-        <c:axId val="210952632"/>
+        <c:axId val="122964992"/>
         <c:scaling>
           <c:orientation val="minMax"/>
           <c:min val="0.2"/>
@@ -17798,12 +17798,12 @@
         <c:majorTickMark val="out"/>
         <c:minorTickMark val="none"/>
         <c:tickLblPos val="nextTo"/>
-        <c:crossAx val="210953024"/>
+        <c:crossAx val="122974976"/>
         <c:crosses val="max"/>
         <c:crossBetween val="between"/>
       </c:valAx>
       <c:dateAx>
-        <c:axId val="210953024"/>
+        <c:axId val="122974976"/>
         <c:scaling>
           <c:orientation val="minMax"/>
         </c:scaling>
@@ -17813,7 +17813,7 @@
         <c:majorTickMark val="out"/>
         <c:minorTickMark val="none"/>
         <c:tickLblPos val="none"/>
-        <c:crossAx val="210952632"/>
+        <c:crossAx val="122964992"/>
         <c:crosses val="autoZero"/>
         <c:auto val="1"/>
         <c:lblOffset val="100"/>
@@ -23041,38 +23041,6 @@
       </p:sp>
       <p:pic>
         <p:nvPicPr>
-          <p:cNvPr id="3075" name="Picture 4" descr="Logo3"/>
-          <p:cNvPicPr>
-            <a:picLocks noChangeAspect="1" noChangeArrowheads="1"/>
-          </p:cNvPicPr>
-          <p:nvPr/>
-        </p:nvPicPr>
-        <p:blipFill>
-          <a:blip r:embed="rId3"/>
-          <a:srcRect/>
-          <a:stretch>
-            <a:fillRect/>
-          </a:stretch>
-        </p:blipFill>
-        <p:spPr bwMode="auto">
-          <a:xfrm>
-            <a:off x="3124200" y="6019800"/>
-            <a:ext cx="2209800" cy="465138"/>
-          </a:xfrm>
-          <a:prstGeom prst="rect">
-            <a:avLst/>
-          </a:prstGeom>
-          <a:noFill/>
-          <a:ln w="9525">
-            <a:noFill/>
-            <a:miter lim="800000"/>
-            <a:headEnd/>
-            <a:tailEnd/>
-          </a:ln>
-        </p:spPr>
-      </p:pic>
-      <p:pic>
-        <p:nvPicPr>
           <p:cNvPr id="4" name="Picture 3"/>
           <p:cNvPicPr>
             <a:picLocks noChangeAspect="1"/>
@@ -23080,7 +23048,7 @@
           <p:nvPr/>
         </p:nvPicPr>
         <p:blipFill>
-          <a:blip r:embed="rId4">
+          <a:blip r:embed="rId3">
             <a:extLst>
               <a:ext uri="{28A0092B-C50C-407E-A947-70E740481C1C}">
                 <a14:useLocalDpi xmlns:a14="http://schemas.microsoft.com/office/drawing/2010/main" val="0"/>

--- a/Slides/slides_def_fx1_f14.pptx
+++ b/Slides/slides_def_fx1_f14.pptx
@@ -249,7 +249,7 @@
   </p:defaultTextStyle>
   <p:extLst>
     <p:ext uri="{EFAFB233-063F-42B5-8137-9DF3F51BA10A}">
-      <p15:sldGuideLst xmlns:p15="http://schemas.microsoft.com/office/powerpoint/2012/main" xmlns="">
+      <p15:sldGuideLst xmlns="" xmlns:p15="http://schemas.microsoft.com/office/powerpoint/2012/main">
         <p15:guide id="1" orient="horz" pos="2160">
           <p15:clr>
             <a:srgbClr val="A4A3A4"/>
@@ -466,11 +466,11 @@
           <c:showBubbleSize val="0"/>
         </c:dLbls>
         <c:gapWidth val="150"/>
-        <c:axId val="35426688"/>
-        <c:axId val="35428224"/>
+        <c:axId val="35874688"/>
+        <c:axId val="35876224"/>
       </c:barChart>
       <c:catAx>
-        <c:axId val="35426688"/>
+        <c:axId val="35874688"/>
         <c:scaling>
           <c:orientation val="minMax"/>
         </c:scaling>
@@ -480,7 +480,7 @@
         <c:majorTickMark val="out"/>
         <c:minorTickMark val="none"/>
         <c:tickLblPos val="nextTo"/>
-        <c:crossAx val="35428224"/>
+        <c:crossAx val="35876224"/>
         <c:crosses val="autoZero"/>
         <c:auto val="1"/>
         <c:lblAlgn val="ctr"/>
@@ -488,7 +488,7 @@
         <c:noMultiLvlLbl val="0"/>
       </c:catAx>
       <c:valAx>
-        <c:axId val="35428224"/>
+        <c:axId val="35876224"/>
         <c:scaling>
           <c:orientation val="minMax"/>
         </c:scaling>
@@ -499,7 +499,7 @@
         <c:majorTickMark val="out"/>
         <c:minorTickMark val="none"/>
         <c:tickLblPos val="nextTo"/>
-        <c:crossAx val="35426688"/>
+        <c:crossAx val="35874688"/>
         <c:crosses val="autoZero"/>
         <c:crossBetween val="between"/>
       </c:valAx>
@@ -1566,8 +1566,8 @@
         </c:dLbls>
         <c:marker val="1"/>
         <c:smooth val="0"/>
-        <c:axId val="122716160"/>
-        <c:axId val="122717696"/>
+        <c:axId val="46584960"/>
+        <c:axId val="46586496"/>
       </c:lineChart>
       <c:lineChart>
         <c:grouping val="standard"/>
@@ -2580,11 +2580,11 @@
         </c:dLbls>
         <c:marker val="1"/>
         <c:smooth val="0"/>
-        <c:axId val="122733312"/>
-        <c:axId val="122719232"/>
+        <c:axId val="46598016"/>
+        <c:axId val="46596480"/>
       </c:lineChart>
       <c:dateAx>
-        <c:axId val="122716160"/>
+        <c:axId val="46584960"/>
         <c:scaling>
           <c:orientation val="minMax"/>
         </c:scaling>
@@ -2595,7 +2595,7 @@
         <c:majorTickMark val="none"/>
         <c:minorTickMark val="none"/>
         <c:tickLblPos val="low"/>
-        <c:crossAx val="122717696"/>
+        <c:crossAx val="46586496"/>
         <c:crosses val="autoZero"/>
         <c:auto val="1"/>
         <c:lblOffset val="100"/>
@@ -2603,7 +2603,7 @@
         <c:minorUnit val="40"/>
       </c:dateAx>
       <c:valAx>
-        <c:axId val="122717696"/>
+        <c:axId val="46586496"/>
         <c:scaling>
           <c:orientation val="minMax"/>
           <c:max val="1.8"/>
@@ -2621,12 +2621,12 @@
             <a:noFill/>
           </a:ln>
         </c:spPr>
-        <c:crossAx val="122716160"/>
+        <c:crossAx val="46584960"/>
         <c:crosses val="autoZero"/>
         <c:crossBetween val="between"/>
       </c:valAx>
       <c:valAx>
-        <c:axId val="122719232"/>
+        <c:axId val="46596480"/>
         <c:scaling>
           <c:orientation val="minMax"/>
           <c:min val="0.2"/>
@@ -2637,12 +2637,12 @@
         <c:majorTickMark val="out"/>
         <c:minorTickMark val="none"/>
         <c:tickLblPos val="nextTo"/>
-        <c:crossAx val="122733312"/>
+        <c:crossAx val="46598016"/>
         <c:crosses val="max"/>
         <c:crossBetween val="between"/>
       </c:valAx>
       <c:dateAx>
-        <c:axId val="122733312"/>
+        <c:axId val="46598016"/>
         <c:scaling>
           <c:orientation val="minMax"/>
         </c:scaling>
@@ -2652,7 +2652,7 @@
         <c:majorTickMark val="out"/>
         <c:minorTickMark val="none"/>
         <c:tickLblPos val="none"/>
-        <c:crossAx val="122719232"/>
+        <c:crossAx val="46596480"/>
         <c:crosses val="autoZero"/>
         <c:auto val="1"/>
         <c:lblOffset val="100"/>
@@ -2883,11 +2883,11 @@
           <c:showBubbleSize val="0"/>
         </c:dLbls>
         <c:gapWidth val="150"/>
-        <c:axId val="35467264"/>
-        <c:axId val="35468800"/>
+        <c:axId val="37284864"/>
+        <c:axId val="37287424"/>
       </c:barChart>
       <c:catAx>
-        <c:axId val="35467264"/>
+        <c:axId val="37284864"/>
         <c:scaling>
           <c:orientation val="minMax"/>
         </c:scaling>
@@ -2897,7 +2897,7 @@
         <c:majorTickMark val="out"/>
         <c:minorTickMark val="none"/>
         <c:tickLblPos val="nextTo"/>
-        <c:crossAx val="35468800"/>
+        <c:crossAx val="37287424"/>
         <c:crosses val="autoZero"/>
         <c:auto val="1"/>
         <c:lblAlgn val="ctr"/>
@@ -2905,7 +2905,7 @@
         <c:noMultiLvlLbl val="0"/>
       </c:catAx>
       <c:valAx>
-        <c:axId val="35468800"/>
+        <c:axId val="37287424"/>
         <c:scaling>
           <c:orientation val="minMax"/>
         </c:scaling>
@@ -2916,7 +2916,7 @@
         <c:majorTickMark val="out"/>
         <c:minorTickMark val="none"/>
         <c:tickLblPos val="nextTo"/>
-        <c:crossAx val="35467264"/>
+        <c:crossAx val="37284864"/>
         <c:crosses val="autoZero"/>
         <c:crossBetween val="between"/>
       </c:valAx>
@@ -4355,11 +4355,11 @@
           <c:showPercent val="0"/>
           <c:showBubbleSize val="0"/>
         </c:dLbls>
-        <c:axId val="83341696"/>
-        <c:axId val="83343232"/>
+        <c:axId val="45917696"/>
+        <c:axId val="45919232"/>
       </c:scatterChart>
       <c:valAx>
-        <c:axId val="83341696"/>
+        <c:axId val="45917696"/>
         <c:scaling>
           <c:orientation val="minMax"/>
         </c:scaling>
@@ -4394,13 +4394,13 @@
             <a:endParaRPr lang="en-US"/>
           </a:p>
         </c:txPr>
-        <c:crossAx val="83343232"/>
+        <c:crossAx val="45919232"/>
         <c:crosses val="autoZero"/>
         <c:crossBetween val="midCat"/>
         <c:majorUnit val="730"/>
       </c:valAx>
       <c:valAx>
-        <c:axId val="83343232"/>
+        <c:axId val="45919232"/>
         <c:scaling>
           <c:orientation val="minMax"/>
           <c:max val="160"/>
@@ -4437,7 +4437,7 @@
             <a:endParaRPr lang="en-US"/>
           </a:p>
         </c:txPr>
-        <c:crossAx val="83341696"/>
+        <c:crossAx val="45917696"/>
         <c:crosses val="autoZero"/>
         <c:crossBetween val="midCat"/>
       </c:valAx>
@@ -5515,11 +5515,11 @@
           <c:showPercent val="0"/>
           <c:showBubbleSize val="0"/>
         </c:dLbls>
-        <c:axId val="107952768"/>
-        <c:axId val="108077440"/>
+        <c:axId val="45957120"/>
+        <c:axId val="45958656"/>
       </c:scatterChart>
       <c:valAx>
-        <c:axId val="107952768"/>
+        <c:axId val="45957120"/>
         <c:scaling>
           <c:orientation val="minMax"/>
         </c:scaling>
@@ -5554,13 +5554,13 @@
             <a:endParaRPr lang="en-US"/>
           </a:p>
         </c:txPr>
-        <c:crossAx val="108077440"/>
+        <c:crossAx val="45958656"/>
         <c:crosses val="autoZero"/>
         <c:crossBetween val="midCat"/>
         <c:majorUnit val="730"/>
       </c:valAx>
       <c:valAx>
-        <c:axId val="108077440"/>
+        <c:axId val="45958656"/>
         <c:scaling>
           <c:orientation val="minMax"/>
           <c:max val="1.8"/>
@@ -5597,7 +5597,7 @@
             <a:endParaRPr lang="en-US"/>
           </a:p>
         </c:txPr>
-        <c:crossAx val="107952768"/>
+        <c:crossAx val="45957120"/>
         <c:crosses val="autoZero"/>
         <c:crossBetween val="midCat"/>
       </c:valAx>
@@ -7047,11 +7047,11 @@
           <c:showPercent val="0"/>
           <c:showBubbleSize val="0"/>
         </c:dLbls>
-        <c:axId val="108110976"/>
-        <c:axId val="108112512"/>
+        <c:axId val="46098688"/>
+        <c:axId val="46104576"/>
       </c:scatterChart>
       <c:valAx>
-        <c:axId val="108110976"/>
+        <c:axId val="46098688"/>
         <c:scaling>
           <c:orientation val="minMax"/>
         </c:scaling>
@@ -7086,13 +7086,13 @@
             <a:endParaRPr lang="en-US"/>
           </a:p>
         </c:txPr>
-        <c:crossAx val="108112512"/>
+        <c:crossAx val="46104576"/>
         <c:crosses val="autoZero"/>
         <c:crossBetween val="midCat"/>
         <c:majorUnit val="730"/>
       </c:valAx>
       <c:valAx>
-        <c:axId val="108112512"/>
+        <c:axId val="46104576"/>
         <c:scaling>
           <c:orientation val="minMax"/>
         </c:scaling>
@@ -7127,7 +7127,7 @@
             <a:endParaRPr lang="en-US"/>
           </a:p>
         </c:txPr>
-        <c:crossAx val="108110976"/>
+        <c:crossAx val="46098688"/>
         <c:crosses val="autoZero"/>
         <c:crossBetween val="midCat"/>
       </c:valAx>
@@ -8829,11 +8829,11 @@
           <c:showPercent val="0"/>
           <c:showBubbleSize val="0"/>
         </c:dLbls>
-        <c:axId val="108178816"/>
-        <c:axId val="108184704"/>
+        <c:axId val="46121728"/>
+        <c:axId val="46123264"/>
       </c:scatterChart>
       <c:valAx>
-        <c:axId val="108178816"/>
+        <c:axId val="46121728"/>
         <c:scaling>
           <c:orientation val="minMax"/>
           <c:max val="41100"/>
@@ -8870,13 +8870,13 @@
             <a:endParaRPr lang="en-US"/>
           </a:p>
         </c:txPr>
-        <c:crossAx val="108184704"/>
+        <c:crossAx val="46123264"/>
         <c:crosses val="autoZero"/>
         <c:crossBetween val="midCat"/>
         <c:majorUnit val="730"/>
       </c:valAx>
       <c:valAx>
-        <c:axId val="108184704"/>
+        <c:axId val="46123264"/>
         <c:scaling>
           <c:orientation val="minMax"/>
           <c:max val="9.5"/>
@@ -8913,7 +8913,7 @@
             <a:endParaRPr lang="en-US"/>
           </a:p>
         </c:txPr>
-        <c:crossAx val="108178816"/>
+        <c:crossAx val="46121728"/>
         <c:crosses val="autoZero"/>
         <c:crossBetween val="midCat"/>
         <c:majorUnit val="1"/>
@@ -10358,8 +10358,8 @@
         </c:dLbls>
         <c:marker val="1"/>
         <c:smooth val="0"/>
-        <c:axId val="107872256"/>
-        <c:axId val="107873792"/>
+        <c:axId val="46744704"/>
+        <c:axId val="46746240"/>
       </c:lineChart>
       <c:lineChart>
         <c:grouping val="standard"/>
@@ -11744,11 +11744,11 @@
         </c:dLbls>
         <c:marker val="1"/>
         <c:smooth val="0"/>
-        <c:axId val="107881216"/>
-        <c:axId val="107875328"/>
+        <c:axId val="46765952"/>
+        <c:axId val="46764416"/>
       </c:lineChart>
       <c:dateAx>
-        <c:axId val="107872256"/>
+        <c:axId val="46744704"/>
         <c:scaling>
           <c:orientation val="minMax"/>
         </c:scaling>
@@ -11759,7 +11759,7 @@
         <c:majorTickMark val="none"/>
         <c:minorTickMark val="none"/>
         <c:tickLblPos val="low"/>
-        <c:crossAx val="107873792"/>
+        <c:crossAx val="46746240"/>
         <c:crosses val="autoZero"/>
         <c:auto val="1"/>
         <c:lblOffset val="100"/>
@@ -11767,7 +11767,7 @@
         <c:minorUnit val="40"/>
       </c:dateAx>
       <c:valAx>
-        <c:axId val="107873792"/>
+        <c:axId val="46746240"/>
         <c:scaling>
           <c:orientation val="minMax"/>
         </c:scaling>
@@ -11783,12 +11783,12 @@
             <a:noFill/>
           </a:ln>
         </c:spPr>
-        <c:crossAx val="107872256"/>
+        <c:crossAx val="46744704"/>
         <c:crosses val="autoZero"/>
         <c:crossBetween val="between"/>
       </c:valAx>
       <c:valAx>
-        <c:axId val="107875328"/>
+        <c:axId val="46764416"/>
         <c:scaling>
           <c:orientation val="minMax"/>
         </c:scaling>
@@ -11798,12 +11798,12 @@
         <c:majorTickMark val="out"/>
         <c:minorTickMark val="none"/>
         <c:tickLblPos val="nextTo"/>
-        <c:crossAx val="107881216"/>
+        <c:crossAx val="46765952"/>
         <c:crosses val="max"/>
         <c:crossBetween val="between"/>
       </c:valAx>
       <c:dateAx>
-        <c:axId val="107881216"/>
+        <c:axId val="46765952"/>
         <c:scaling>
           <c:orientation val="minMax"/>
         </c:scaling>
@@ -11813,7 +11813,7 @@
         <c:majorTickMark val="out"/>
         <c:minorTickMark val="none"/>
         <c:tickLblPos val="none"/>
-        <c:crossAx val="107875328"/>
+        <c:crossAx val="46764416"/>
         <c:crosses val="autoZero"/>
         <c:auto val="1"/>
         <c:lblOffset val="100"/>
@@ -13292,8 +13292,8 @@
         </c:dLbls>
         <c:marker val="1"/>
         <c:smooth val="0"/>
-        <c:axId val="107921408"/>
-        <c:axId val="107922944"/>
+        <c:axId val="46449792"/>
+        <c:axId val="46451328"/>
       </c:lineChart>
       <c:lineChart>
         <c:grouping val="standard"/>
@@ -14738,11 +14738,11 @@
         </c:dLbls>
         <c:marker val="1"/>
         <c:smooth val="0"/>
-        <c:axId val="107930368"/>
-        <c:axId val="107924480"/>
+        <c:axId val="46462848"/>
+        <c:axId val="46461312"/>
       </c:lineChart>
       <c:dateAx>
-        <c:axId val="107921408"/>
+        <c:axId val="46449792"/>
         <c:scaling>
           <c:orientation val="minMax"/>
         </c:scaling>
@@ -14753,7 +14753,7 @@
         <c:majorTickMark val="none"/>
         <c:minorTickMark val="none"/>
         <c:tickLblPos val="low"/>
-        <c:crossAx val="107922944"/>
+        <c:crossAx val="46451328"/>
         <c:crosses val="autoZero"/>
         <c:auto val="1"/>
         <c:lblOffset val="100"/>
@@ -14761,7 +14761,7 @@
         <c:minorUnit val="40"/>
       </c:dateAx>
       <c:valAx>
-        <c:axId val="107922944"/>
+        <c:axId val="46451328"/>
         <c:scaling>
           <c:orientation val="minMax"/>
           <c:min val="2"/>
@@ -14778,12 +14778,12 @@
             <a:noFill/>
           </a:ln>
         </c:spPr>
-        <c:crossAx val="107921408"/>
+        <c:crossAx val="46449792"/>
         <c:crosses val="autoZero"/>
         <c:crossBetween val="between"/>
       </c:valAx>
       <c:valAx>
-        <c:axId val="107924480"/>
+        <c:axId val="46461312"/>
         <c:scaling>
           <c:orientation val="minMax"/>
           <c:min val="0.2"/>
@@ -14794,12 +14794,12 @@
         <c:majorTickMark val="out"/>
         <c:minorTickMark val="none"/>
         <c:tickLblPos val="nextTo"/>
-        <c:crossAx val="107930368"/>
+        <c:crossAx val="46462848"/>
         <c:crosses val="max"/>
         <c:crossBetween val="between"/>
       </c:valAx>
       <c:dateAx>
-        <c:axId val="107930368"/>
+        <c:axId val="46462848"/>
         <c:scaling>
           <c:orientation val="minMax"/>
         </c:scaling>
@@ -14809,7 +14809,7 @@
         <c:majorTickMark val="out"/>
         <c:minorTickMark val="none"/>
         <c:tickLblPos val="none"/>
-        <c:crossAx val="107924480"/>
+        <c:crossAx val="46461312"/>
         <c:crosses val="autoZero"/>
         <c:auto val="1"/>
         <c:lblOffset val="100"/>
@@ -16300,8 +16300,8 @@
         </c:dLbls>
         <c:marker val="1"/>
         <c:smooth val="0"/>
-        <c:axId val="122961920"/>
-        <c:axId val="122963456"/>
+        <c:axId val="46494848"/>
+        <c:axId val="46496384"/>
       </c:lineChart>
       <c:lineChart>
         <c:grouping val="standard"/>
@@ -17743,11 +17743,11 @@
         </c:dLbls>
         <c:marker val="1"/>
         <c:smooth val="0"/>
-        <c:axId val="122974976"/>
-        <c:axId val="122964992"/>
+        <c:axId val="46516096"/>
+        <c:axId val="46514560"/>
       </c:lineChart>
       <c:dateAx>
-        <c:axId val="122961920"/>
+        <c:axId val="46494848"/>
         <c:scaling>
           <c:orientation val="minMax"/>
         </c:scaling>
@@ -17758,7 +17758,7 @@
         <c:majorTickMark val="none"/>
         <c:minorTickMark val="none"/>
         <c:tickLblPos val="low"/>
-        <c:crossAx val="122963456"/>
+        <c:crossAx val="46496384"/>
         <c:crosses val="autoZero"/>
         <c:auto val="1"/>
         <c:lblOffset val="100"/>
@@ -17766,7 +17766,7 @@
         <c:minorUnit val="40"/>
       </c:dateAx>
       <c:valAx>
-        <c:axId val="122963456"/>
+        <c:axId val="46496384"/>
         <c:scaling>
           <c:orientation val="minMax"/>
         </c:scaling>
@@ -17782,12 +17782,12 @@
             <a:noFill/>
           </a:ln>
         </c:spPr>
-        <c:crossAx val="122961920"/>
+        <c:crossAx val="46494848"/>
         <c:crosses val="autoZero"/>
         <c:crossBetween val="between"/>
       </c:valAx>
       <c:valAx>
-        <c:axId val="122964992"/>
+        <c:axId val="46514560"/>
         <c:scaling>
           <c:orientation val="minMax"/>
           <c:min val="0.2"/>
@@ -17798,12 +17798,12 @@
         <c:majorTickMark val="out"/>
         <c:minorTickMark val="none"/>
         <c:tickLblPos val="nextTo"/>
-        <c:crossAx val="122974976"/>
+        <c:crossAx val="46516096"/>
         <c:crosses val="max"/>
         <c:crossBetween val="between"/>
       </c:valAx>
       <c:dateAx>
-        <c:axId val="122974976"/>
+        <c:axId val="46516096"/>
         <c:scaling>
           <c:orientation val="minMax"/>
         </c:scaling>
@@ -17813,7 +17813,7 @@
         <c:majorTickMark val="out"/>
         <c:minorTickMark val="none"/>
         <c:tickLblPos val="none"/>
-        <c:crossAx val="122964992"/>
+        <c:crossAx val="46514560"/>
         <c:crosses val="autoZero"/>
         <c:auto val="1"/>
         <c:lblOffset val="100"/>
@@ -35353,8 +35353,17 @@
             <a:pPr algn="l" eaLnBrk="1" hangingPunct="1"/>
             <a:r>
               <a:rPr lang="en-US" dirty="0" smtClean="0"/>
-              <a:t>Debt dynamics in Greece </a:t>
-            </a:r>
+              <a:t>Debt dynamics in </a:t>
+            </a:r>
+            <a:r>
+              <a:rPr lang="en-US" dirty="0" smtClean="0"/>
+              <a:t>Italy!!!???</a:t>
+            </a:r>
+            <a:r>
+              <a:rPr lang="en-US" dirty="0" smtClean="0"/>
+              <a:t> </a:t>
+            </a:r>
+            <a:endParaRPr lang="en-US" dirty="0" smtClean="0"/>
           </a:p>
         </p:txBody>
       </p:sp>
@@ -36214,8 +36223,13 @@
             <a:pPr algn="l" eaLnBrk="1" hangingPunct="1"/>
             <a:r>
               <a:rPr lang="en-US" dirty="0" smtClean="0"/>
-              <a:t>Debt dynamics in Greece   </a:t>
-            </a:r>
+              <a:t>Debt dynamics in </a:t>
+            </a:r>
+            <a:r>
+              <a:rPr lang="en-US" dirty="0" smtClean="0"/>
+              <a:t>Italy   </a:t>
+            </a:r>
+            <a:endParaRPr lang="en-US" dirty="0" smtClean="0"/>
           </a:p>
         </p:txBody>
       </p:sp>
@@ -36252,8 +36266,49 @@
               <a:defRPr/>
             </a:pPr>
             <a:r>
+              <a:rPr lang="en-US" sz="2400">
+                <a:hlinkClick r:id="rId2"/>
+              </a:rPr>
+              <a:t>http://</a:t>
+            </a:r>
+            <a:r>
+              <a:rPr lang="en-US" sz="2400">
+                <a:hlinkClick r:id="rId2"/>
+              </a:rPr>
+              <a:t>blogs.wsj.com/economics/2014/09/18/italys-growing-debt-looms-over-european-and-global-economies</a:t>
+            </a:r>
+            <a:r>
+              <a:rPr lang="en-US" sz="2400" smtClean="0">
+                <a:hlinkClick r:id="rId2"/>
+              </a:rPr>
+              <a:t>/</a:t>
+            </a:r>
+            <a:r>
+              <a:rPr lang="en-US" sz="2400" smtClean="0"/>
+              <a:t> </a:t>
+            </a:r>
+            <a:endParaRPr lang="en-US" sz="2400"/>
+          </a:p>
+          <a:p>
+            <a:pPr eaLnBrk="1" hangingPunct="1">
+              <a:lnSpc>
+                <a:spcPct val="90000"/>
+              </a:lnSpc>
+              <a:spcBef>
+                <a:spcPts val="1200"/>
+              </a:spcBef>
+              <a:spcAft>
+                <a:spcPts val="600"/>
+              </a:spcAft>
+              <a:defRPr/>
+            </a:pPr>
+            <a:r>
               <a:rPr lang="en-US" sz="2400" dirty="0" smtClean="0"/>
-              <a:t>From the EIU report</a:t>
+              <a:t>From </a:t>
+            </a:r>
+            <a:r>
+              <a:rPr lang="en-US" sz="2400" dirty="0" smtClean="0"/>
+              <a:t>the EIU report</a:t>
             </a:r>
           </a:p>
           <a:p>

--- a/Slides/slides_def_fx1_f14.pptx
+++ b/Slides/slides_def_fx1_f14.pptx
@@ -252,7 +252,7 @@
   </p:defaultTextStyle>
   <p:extLst>
     <p:ext uri="{EFAFB233-063F-42B5-8137-9DF3F51BA10A}">
-      <p15:sldGuideLst xmlns:p15="http://schemas.microsoft.com/office/powerpoint/2012/main">
+      <p15:sldGuideLst xmlns:p15="http://schemas.microsoft.com/office/powerpoint/2012/main" xmlns="">
         <p15:guide id="1" orient="horz" pos="2160">
           <p15:clr>
             <a:srgbClr val="A4A3A4"/>
@@ -469,11 +469,11 @@
           <c:showBubbleSize val="0"/>
         </c:dLbls>
         <c:gapWidth val="150"/>
-        <c:axId val="200806816"/>
-        <c:axId val="200807208"/>
+        <c:axId val="36154368"/>
+        <c:axId val="37421824"/>
       </c:barChart>
       <c:catAx>
-        <c:axId val="200806816"/>
+        <c:axId val="36154368"/>
         <c:scaling>
           <c:orientation val="minMax"/>
         </c:scaling>
@@ -483,7 +483,7 @@
         <c:majorTickMark val="out"/>
         <c:minorTickMark val="none"/>
         <c:tickLblPos val="nextTo"/>
-        <c:crossAx val="200807208"/>
+        <c:crossAx val="37421824"/>
         <c:crosses val="autoZero"/>
         <c:auto val="1"/>
         <c:lblAlgn val="ctr"/>
@@ -491,7 +491,7 @@
         <c:noMultiLvlLbl val="0"/>
       </c:catAx>
       <c:valAx>
-        <c:axId val="200807208"/>
+        <c:axId val="37421824"/>
         <c:scaling>
           <c:orientation val="minMax"/>
         </c:scaling>
@@ -502,7 +502,7 @@
         <c:majorTickMark val="out"/>
         <c:minorTickMark val="none"/>
         <c:tickLblPos val="nextTo"/>
-        <c:crossAx val="200806816"/>
+        <c:crossAx val="36154368"/>
         <c:crosses val="autoZero"/>
         <c:crossBetween val="between"/>
       </c:valAx>
@@ -1569,8 +1569,8 @@
         </c:dLbls>
         <c:marker val="1"/>
         <c:smooth val="0"/>
-        <c:axId val="201387712"/>
-        <c:axId val="201387320"/>
+        <c:axId val="110316928"/>
+        <c:axId val="110318720"/>
       </c:lineChart>
       <c:lineChart>
         <c:grouping val="standard"/>
@@ -2583,11 +2583,11 @@
         </c:dLbls>
         <c:marker val="1"/>
         <c:smooth val="0"/>
-        <c:axId val="201386536"/>
-        <c:axId val="201386928"/>
+        <c:axId val="110334336"/>
+        <c:axId val="110320256"/>
       </c:lineChart>
       <c:dateAx>
-        <c:axId val="201387712"/>
+        <c:axId val="110316928"/>
         <c:scaling>
           <c:orientation val="minMax"/>
         </c:scaling>
@@ -2598,7 +2598,7 @@
         <c:majorTickMark val="none"/>
         <c:minorTickMark val="none"/>
         <c:tickLblPos val="low"/>
-        <c:crossAx val="201387320"/>
+        <c:crossAx val="110318720"/>
         <c:crosses val="autoZero"/>
         <c:auto val="1"/>
         <c:lblOffset val="100"/>
@@ -2606,7 +2606,7 @@
         <c:minorUnit val="40"/>
       </c:dateAx>
       <c:valAx>
-        <c:axId val="201387320"/>
+        <c:axId val="110318720"/>
         <c:scaling>
           <c:orientation val="minMax"/>
           <c:max val="1.8"/>
@@ -2624,12 +2624,12 @@
             <a:noFill/>
           </a:ln>
         </c:spPr>
-        <c:crossAx val="201387712"/>
+        <c:crossAx val="110316928"/>
         <c:crosses val="autoZero"/>
         <c:crossBetween val="between"/>
       </c:valAx>
       <c:valAx>
-        <c:axId val="201386928"/>
+        <c:axId val="110320256"/>
         <c:scaling>
           <c:orientation val="minMax"/>
           <c:min val="0.2"/>
@@ -2640,12 +2640,12 @@
         <c:majorTickMark val="out"/>
         <c:minorTickMark val="none"/>
         <c:tickLblPos val="nextTo"/>
-        <c:crossAx val="201386536"/>
+        <c:crossAx val="110334336"/>
         <c:crosses val="max"/>
         <c:crossBetween val="between"/>
       </c:valAx>
       <c:dateAx>
-        <c:axId val="201386536"/>
+        <c:axId val="110334336"/>
         <c:scaling>
           <c:orientation val="minMax"/>
         </c:scaling>
@@ -2655,7 +2655,7 @@
         <c:majorTickMark val="out"/>
         <c:minorTickMark val="none"/>
         <c:tickLblPos val="none"/>
-        <c:crossAx val="201386928"/>
+        <c:crossAx val="110320256"/>
         <c:crosses val="autoZero"/>
         <c:auto val="1"/>
         <c:lblOffset val="100"/>
@@ -2886,11 +2886,11 @@
           <c:showBubbleSize val="0"/>
         </c:dLbls>
         <c:gapWidth val="150"/>
-        <c:axId val="200807992"/>
-        <c:axId val="200808384"/>
+        <c:axId val="37472896"/>
+        <c:axId val="36241792"/>
       </c:barChart>
       <c:catAx>
-        <c:axId val="200807992"/>
+        <c:axId val="37472896"/>
         <c:scaling>
           <c:orientation val="minMax"/>
         </c:scaling>
@@ -2900,7 +2900,7 @@
         <c:majorTickMark val="out"/>
         <c:minorTickMark val="none"/>
         <c:tickLblPos val="nextTo"/>
-        <c:crossAx val="200808384"/>
+        <c:crossAx val="36241792"/>
         <c:crosses val="autoZero"/>
         <c:auto val="1"/>
         <c:lblAlgn val="ctr"/>
@@ -2908,7 +2908,7 @@
         <c:noMultiLvlLbl val="0"/>
       </c:catAx>
       <c:valAx>
-        <c:axId val="200808384"/>
+        <c:axId val="36241792"/>
         <c:scaling>
           <c:orientation val="minMax"/>
         </c:scaling>
@@ -2919,7 +2919,7 @@
         <c:majorTickMark val="out"/>
         <c:minorTickMark val="none"/>
         <c:tickLblPos val="nextTo"/>
-        <c:crossAx val="200807992"/>
+        <c:crossAx val="37472896"/>
         <c:crosses val="autoZero"/>
         <c:crossBetween val="between"/>
       </c:valAx>
@@ -4358,11 +4358,11 @@
           <c:showPercent val="0"/>
           <c:showBubbleSize val="0"/>
         </c:dLbls>
-        <c:axId val="201390064"/>
-        <c:axId val="201389672"/>
+        <c:axId val="97475968"/>
+        <c:axId val="99173504"/>
       </c:scatterChart>
       <c:valAx>
-        <c:axId val="201390064"/>
+        <c:axId val="97475968"/>
         <c:scaling>
           <c:orientation val="minMax"/>
         </c:scaling>
@@ -4397,13 +4397,13 @@
             <a:endParaRPr lang="en-US"/>
           </a:p>
         </c:txPr>
-        <c:crossAx val="201389672"/>
+        <c:crossAx val="99173504"/>
         <c:crosses val="autoZero"/>
         <c:crossBetween val="midCat"/>
         <c:majorUnit val="730"/>
       </c:valAx>
       <c:valAx>
-        <c:axId val="201389672"/>
+        <c:axId val="99173504"/>
         <c:scaling>
           <c:orientation val="minMax"/>
           <c:max val="160"/>
@@ -4440,7 +4440,7 @@
             <a:endParaRPr lang="en-US"/>
           </a:p>
         </c:txPr>
-        <c:crossAx val="201390064"/>
+        <c:crossAx val="97475968"/>
         <c:crosses val="autoZero"/>
         <c:crossBetween val="midCat"/>
       </c:valAx>
@@ -5518,11 +5518,11 @@
           <c:showPercent val="0"/>
           <c:showBubbleSize val="0"/>
         </c:dLbls>
-        <c:axId val="201388888"/>
-        <c:axId val="201388496"/>
+        <c:axId val="99219328"/>
+        <c:axId val="99220864"/>
       </c:scatterChart>
       <c:valAx>
-        <c:axId val="201388888"/>
+        <c:axId val="99219328"/>
         <c:scaling>
           <c:orientation val="minMax"/>
         </c:scaling>
@@ -5557,13 +5557,13 @@
             <a:endParaRPr lang="en-US"/>
           </a:p>
         </c:txPr>
-        <c:crossAx val="201388496"/>
+        <c:crossAx val="99220864"/>
         <c:crosses val="autoZero"/>
         <c:crossBetween val="midCat"/>
         <c:majorUnit val="730"/>
       </c:valAx>
       <c:valAx>
-        <c:axId val="201388496"/>
+        <c:axId val="99220864"/>
         <c:scaling>
           <c:orientation val="minMax"/>
           <c:max val="1.8"/>
@@ -5600,7 +5600,7 @@
             <a:endParaRPr lang="en-US"/>
           </a:p>
         </c:txPr>
-        <c:crossAx val="201388888"/>
+        <c:crossAx val="99219328"/>
         <c:crosses val="autoZero"/>
         <c:crossBetween val="midCat"/>
       </c:valAx>
@@ -7050,11 +7050,11 @@
           <c:showPercent val="0"/>
           <c:showBubbleSize val="0"/>
         </c:dLbls>
-        <c:axId val="136749096"/>
-        <c:axId val="136748704"/>
+        <c:axId val="99225984"/>
+        <c:axId val="99227520"/>
       </c:scatterChart>
       <c:valAx>
-        <c:axId val="136749096"/>
+        <c:axId val="99225984"/>
         <c:scaling>
           <c:orientation val="minMax"/>
         </c:scaling>
@@ -7089,13 +7089,13 @@
             <a:endParaRPr lang="en-US"/>
           </a:p>
         </c:txPr>
-        <c:crossAx val="136748704"/>
+        <c:crossAx val="99227520"/>
         <c:crosses val="autoZero"/>
         <c:crossBetween val="midCat"/>
         <c:majorUnit val="730"/>
       </c:valAx>
       <c:valAx>
-        <c:axId val="136748704"/>
+        <c:axId val="99227520"/>
         <c:scaling>
           <c:orientation val="minMax"/>
         </c:scaling>
@@ -7130,7 +7130,7 @@
             <a:endParaRPr lang="en-US"/>
           </a:p>
         </c:txPr>
-        <c:crossAx val="136749096"/>
+        <c:crossAx val="99225984"/>
         <c:crosses val="autoZero"/>
         <c:crossBetween val="midCat"/>
       </c:valAx>
@@ -8832,11 +8832,11 @@
           <c:showPercent val="0"/>
           <c:showBubbleSize val="0"/>
         </c:dLbls>
-        <c:axId val="201434872"/>
-        <c:axId val="136747528"/>
+        <c:axId val="99248768"/>
+        <c:axId val="99262848"/>
       </c:scatterChart>
       <c:valAx>
-        <c:axId val="201434872"/>
+        <c:axId val="99248768"/>
         <c:scaling>
           <c:orientation val="minMax"/>
           <c:max val="41100"/>
@@ -8873,13 +8873,13 @@
             <a:endParaRPr lang="en-US"/>
           </a:p>
         </c:txPr>
-        <c:crossAx val="136747528"/>
+        <c:crossAx val="99262848"/>
         <c:crosses val="autoZero"/>
         <c:crossBetween val="midCat"/>
         <c:majorUnit val="730"/>
       </c:valAx>
       <c:valAx>
-        <c:axId val="136747528"/>
+        <c:axId val="99262848"/>
         <c:scaling>
           <c:orientation val="minMax"/>
           <c:max val="9.5"/>
@@ -8916,7 +8916,7 @@
             <a:endParaRPr lang="en-US"/>
           </a:p>
         </c:txPr>
-        <c:crossAx val="201434872"/>
+        <c:crossAx val="99248768"/>
         <c:crosses val="autoZero"/>
         <c:crossBetween val="midCat"/>
         <c:majorUnit val="1"/>
@@ -10361,8 +10361,8 @@
         </c:dLbls>
         <c:marker val="1"/>
         <c:smooth val="0"/>
-        <c:axId val="135833200"/>
-        <c:axId val="135831632"/>
+        <c:axId val="107206912"/>
+        <c:axId val="107208704"/>
       </c:lineChart>
       <c:lineChart>
         <c:grouping val="standard"/>
@@ -11747,11 +11747,11 @@
         </c:dLbls>
         <c:marker val="1"/>
         <c:smooth val="0"/>
-        <c:axId val="136746744"/>
-        <c:axId val="136747136"/>
+        <c:axId val="107211776"/>
+        <c:axId val="107210240"/>
       </c:lineChart>
       <c:dateAx>
-        <c:axId val="135833200"/>
+        <c:axId val="107206912"/>
         <c:scaling>
           <c:orientation val="minMax"/>
         </c:scaling>
@@ -11762,7 +11762,7 @@
         <c:majorTickMark val="none"/>
         <c:minorTickMark val="none"/>
         <c:tickLblPos val="low"/>
-        <c:crossAx val="135831632"/>
+        <c:crossAx val="107208704"/>
         <c:crosses val="autoZero"/>
         <c:auto val="1"/>
         <c:lblOffset val="100"/>
@@ -11770,7 +11770,7 @@
         <c:minorUnit val="40"/>
       </c:dateAx>
       <c:valAx>
-        <c:axId val="135831632"/>
+        <c:axId val="107208704"/>
         <c:scaling>
           <c:orientation val="minMax"/>
         </c:scaling>
@@ -11786,12 +11786,12 @@
             <a:noFill/>
           </a:ln>
         </c:spPr>
-        <c:crossAx val="135833200"/>
+        <c:crossAx val="107206912"/>
         <c:crosses val="autoZero"/>
         <c:crossBetween val="between"/>
       </c:valAx>
       <c:valAx>
-        <c:axId val="136747136"/>
+        <c:axId val="107210240"/>
         <c:scaling>
           <c:orientation val="minMax"/>
         </c:scaling>
@@ -11801,12 +11801,12 @@
         <c:majorTickMark val="out"/>
         <c:minorTickMark val="none"/>
         <c:tickLblPos val="nextTo"/>
-        <c:crossAx val="136746744"/>
+        <c:crossAx val="107211776"/>
         <c:crosses val="max"/>
         <c:crossBetween val="between"/>
       </c:valAx>
       <c:dateAx>
-        <c:axId val="136746744"/>
+        <c:axId val="107211776"/>
         <c:scaling>
           <c:orientation val="minMax"/>
         </c:scaling>
@@ -11816,7 +11816,7 @@
         <c:majorTickMark val="out"/>
         <c:minorTickMark val="none"/>
         <c:tickLblPos val="none"/>
-        <c:crossAx val="136747136"/>
+        <c:crossAx val="107210240"/>
         <c:crosses val="autoZero"/>
         <c:auto val="1"/>
         <c:lblOffset val="100"/>
@@ -13295,8 +13295,8 @@
         </c:dLbls>
         <c:marker val="1"/>
         <c:smooth val="0"/>
-        <c:axId val="136721136"/>
-        <c:axId val="136723880"/>
+        <c:axId val="107395328"/>
+        <c:axId val="107405312"/>
       </c:lineChart>
       <c:lineChart>
         <c:grouping val="standard"/>
@@ -14741,11 +14741,11 @@
         </c:dLbls>
         <c:marker val="1"/>
         <c:smooth val="0"/>
-        <c:axId val="136721920"/>
-        <c:axId val="136723096"/>
+        <c:axId val="107408384"/>
+        <c:axId val="107406848"/>
       </c:lineChart>
       <c:dateAx>
-        <c:axId val="136721136"/>
+        <c:axId val="107395328"/>
         <c:scaling>
           <c:orientation val="minMax"/>
         </c:scaling>
@@ -14756,7 +14756,7 @@
         <c:majorTickMark val="none"/>
         <c:minorTickMark val="none"/>
         <c:tickLblPos val="low"/>
-        <c:crossAx val="136723880"/>
+        <c:crossAx val="107405312"/>
         <c:crosses val="autoZero"/>
         <c:auto val="1"/>
         <c:lblOffset val="100"/>
@@ -14764,7 +14764,7 @@
         <c:minorUnit val="40"/>
       </c:dateAx>
       <c:valAx>
-        <c:axId val="136723880"/>
+        <c:axId val="107405312"/>
         <c:scaling>
           <c:orientation val="minMax"/>
           <c:min val="2"/>
@@ -14781,12 +14781,12 @@
             <a:noFill/>
           </a:ln>
         </c:spPr>
-        <c:crossAx val="136721136"/>
+        <c:crossAx val="107395328"/>
         <c:crosses val="autoZero"/>
         <c:crossBetween val="between"/>
       </c:valAx>
       <c:valAx>
-        <c:axId val="136723096"/>
+        <c:axId val="107406848"/>
         <c:scaling>
           <c:orientation val="minMax"/>
           <c:min val="0.2"/>
@@ -14797,12 +14797,12 @@
         <c:majorTickMark val="out"/>
         <c:minorTickMark val="none"/>
         <c:tickLblPos val="nextTo"/>
-        <c:crossAx val="136721920"/>
+        <c:crossAx val="107408384"/>
         <c:crosses val="max"/>
         <c:crossBetween val="between"/>
       </c:valAx>
       <c:dateAx>
-        <c:axId val="136721920"/>
+        <c:axId val="107408384"/>
         <c:scaling>
           <c:orientation val="minMax"/>
         </c:scaling>
@@ -14812,7 +14812,7 @@
         <c:majorTickMark val="out"/>
         <c:minorTickMark val="none"/>
         <c:tickLblPos val="none"/>
-        <c:crossAx val="136723096"/>
+        <c:crossAx val="107406848"/>
         <c:crosses val="autoZero"/>
         <c:auto val="1"/>
         <c:lblOffset val="100"/>
@@ -16303,8 +16303,8 @@
         </c:dLbls>
         <c:marker val="1"/>
         <c:smooth val="0"/>
-        <c:axId val="136722704"/>
-        <c:axId val="136719960"/>
+        <c:axId val="109845888"/>
+        <c:axId val="109847680"/>
       </c:lineChart>
       <c:lineChart>
         <c:grouping val="standard"/>
@@ -17746,11 +17746,11 @@
         </c:dLbls>
         <c:marker val="1"/>
         <c:smooth val="0"/>
-        <c:axId val="136745568"/>
-        <c:axId val="136745960"/>
+        <c:axId val="109859200"/>
+        <c:axId val="109849216"/>
       </c:lineChart>
       <c:dateAx>
-        <c:axId val="136722704"/>
+        <c:axId val="109845888"/>
         <c:scaling>
           <c:orientation val="minMax"/>
         </c:scaling>
@@ -17761,7 +17761,7 @@
         <c:majorTickMark val="none"/>
         <c:minorTickMark val="none"/>
         <c:tickLblPos val="low"/>
-        <c:crossAx val="136719960"/>
+        <c:crossAx val="109847680"/>
         <c:crosses val="autoZero"/>
         <c:auto val="1"/>
         <c:lblOffset val="100"/>
@@ -17769,7 +17769,7 @@
         <c:minorUnit val="40"/>
       </c:dateAx>
       <c:valAx>
-        <c:axId val="136719960"/>
+        <c:axId val="109847680"/>
         <c:scaling>
           <c:orientation val="minMax"/>
         </c:scaling>
@@ -17785,12 +17785,12 @@
             <a:noFill/>
           </a:ln>
         </c:spPr>
-        <c:crossAx val="136722704"/>
+        <c:crossAx val="109845888"/>
         <c:crosses val="autoZero"/>
         <c:crossBetween val="between"/>
       </c:valAx>
       <c:valAx>
-        <c:axId val="136745960"/>
+        <c:axId val="109849216"/>
         <c:scaling>
           <c:orientation val="minMax"/>
           <c:min val="0.2"/>
@@ -17801,12 +17801,12 @@
         <c:majorTickMark val="out"/>
         <c:minorTickMark val="none"/>
         <c:tickLblPos val="nextTo"/>
-        <c:crossAx val="136745568"/>
+        <c:crossAx val="109859200"/>
         <c:crosses val="max"/>
         <c:crossBetween val="between"/>
       </c:valAx>
       <c:dateAx>
-        <c:axId val="136745568"/>
+        <c:axId val="109859200"/>
         <c:scaling>
           <c:orientation val="minMax"/>
         </c:scaling>
@@ -17816,7 +17816,7 @@
         <c:majorTickMark val="out"/>
         <c:minorTickMark val="none"/>
         <c:tickLblPos val="none"/>
-        <c:crossAx val="136745960"/>
+        <c:crossAx val="109849216"/>
         <c:crosses val="autoZero"/>
         <c:auto val="1"/>
         <c:lblOffset val="100"/>
@@ -27988,7 +27988,6 @@
               <a:rPr lang="en-US" dirty="0" smtClean="0"/>
               <a:t> data </a:t>
             </a:r>
-            <a:endParaRPr lang="en-US" dirty="0" smtClean="0"/>
           </a:p>
         </p:txBody>
       </p:sp>
@@ -31779,6 +31778,23 @@
               <a:rPr lang="en-US" sz="2400" dirty="0" smtClean="0"/>
               <a:t>Answer:  debt = past primary deficits plus interest </a:t>
             </a:r>
+            <a:endParaRPr lang="en-US" sz="2400" dirty="0" smtClean="0"/>
+          </a:p>
+          <a:p>
+            <a:pPr>
+              <a:spcBef>
+                <a:spcPts val="1200"/>
+              </a:spcBef>
+            </a:pPr>
+            <a:r>
+              <a:rPr lang="en-US" sz="2400" dirty="0" smtClean="0"/>
+              <a:t>?? Downplay math, the point </a:t>
+            </a:r>
+            <a:r>
+              <a:rPr lang="en-US" sz="2400" smtClean="0"/>
+              <a:t>is what matters</a:t>
+            </a:r>
+            <a:endParaRPr lang="en-US" sz="2400" dirty="0" smtClean="0"/>
           </a:p>
         </p:txBody>
       </p:sp>
